--- a/debug-output.pptx
+++ b/debug-output.pptx
@@ -3090,6 +3090,7 @@
                 <a:solidFill>
                   <a:srgbClr val="FFFFFF"/>
                 </a:solidFill>
+                <a:latin typeface="DejaVu Sans"/>
               </a:rPr>
               <a:t>load-balancer</a:t>
             </a:r>
@@ -3136,6 +3137,7 @@
                 <a:solidFill>
                   <a:srgbClr val="FFFFFF"/>
                 </a:solidFill>
+                <a:latin typeface="DejaVu Sans"/>
               </a:rPr>
               <a:t>web-app</a:t>
             </a:r>
@@ -3182,6 +3184,7 @@
                 <a:solidFill>
                   <a:srgbClr val="FFFFFF"/>
                 </a:solidFill>
+                <a:latin typeface="DejaVu Sans"/>
               </a:rPr>
               <a:t>api-gateway</a:t>
             </a:r>
@@ -3228,6 +3231,7 @@
                 <a:solidFill>
                   <a:srgbClr val="FFFFFF"/>
                 </a:solidFill>
+                <a:latin typeface="DejaVu Sans"/>
               </a:rPr>
               <a:t>auth-service</a:t>
             </a:r>
@@ -3274,6 +3278,7 @@
                 <a:solidFill>
                   <a:srgbClr val="FFFFFF"/>
                 </a:solidFill>
+                <a:latin typeface="DejaVu Sans"/>
               </a:rPr>
               <a:t>payment-service</a:t>
             </a:r>
@@ -3320,6 +3325,7 @@
                 <a:solidFill>
                   <a:srgbClr val="FFFFFF"/>
                 </a:solidFill>
+                <a:latin typeface="DejaVu Sans"/>
               </a:rPr>
               <a:t>postgres-db</a:t>
             </a:r>
@@ -3366,6 +3372,7 @@
                 <a:solidFill>
                   <a:srgbClr val="FFFFFF"/>
                 </a:solidFill>
+                <a:latin typeface="DejaVu Sans"/>
               </a:rPr>
               <a:t>mysql-db</a:t>
             </a:r>
@@ -3412,6 +3419,7 @@
                 <a:solidFill>
                   <a:srgbClr val="FFFFFF"/>
                 </a:solidFill>
+                <a:latin typeface="DejaVu Sans"/>
               </a:rPr>
               <a:t>redis</a:t>
             </a:r>
@@ -3436,7 +3444,7 @@
         <p:spPr>
           <a:xfrm>
             <a:off x="6604000" y="2095500"/>
-            <a:ext cx="3048000" cy="0"/>
+            <a:ext cx="3048000" cy="12700"/>
           </a:xfrm>
           <a:prstGeom prst="line">
             <a:avLst/>
@@ -3478,7 +3486,7 @@
         <p:spPr>
           <a:xfrm>
             <a:off x="5080000" y="4381500"/>
-            <a:ext cx="3048000" cy="0"/>
+            <a:ext cx="3048000" cy="12700"/>
           </a:xfrm>
           <a:prstGeom prst="line">
             <a:avLst/>
@@ -3499,7 +3507,7 @@
         <p:spPr>
           <a:xfrm>
             <a:off x="5080000" y="4381500"/>
-            <a:ext cx="6096000" cy="0"/>
+            <a:ext cx="6096000" cy="12700"/>
           </a:xfrm>
           <a:prstGeom prst="line">
             <a:avLst/>
@@ -3562,7 +3570,7 @@
         <p:spPr>
           <a:xfrm>
             <a:off x="11176000" y="4381500"/>
-            <a:ext cx="0" cy="2286000"/>
+            <a:ext cx="12700" cy="2286000"/>
           </a:xfrm>
           <a:prstGeom prst="line">
             <a:avLst/>

--- a/debug-output.pptx
+++ b/debug-output.pptx
@@ -3435,12 +3435,12 @@
           </a:p>
         </p:txBody>
       </p:sp>
-      <p:sp>
-        <p:nvSpPr>
-          <p:cNvPr name="AutoShape 10" id="10"/>
-          <p:cNvSpPr/>
+      <p:cxnSp>
+        <p:nvCxnSpPr>
+          <p:cNvPr name="Connector 10" id="10"/>
+          <p:cNvCxnSpPr/>
           <p:nvPr/>
-        </p:nvSpPr>
+        </p:nvCxnSpPr>
         <p:spPr>
           <a:xfrm>
             <a:off x="6604000" y="2095500"/>
@@ -3455,15 +3455,15 @@
             </a:solidFill>
           </a:ln>
         </p:spPr>
-      </p:sp>
-      <p:sp>
-        <p:nvSpPr>
-          <p:cNvPr name="AutoShape 11" id="11"/>
-          <p:cNvSpPr/>
+      </p:cxnSp>
+      <p:cxnSp>
+        <p:nvCxnSpPr>
+          <p:cNvPr name="Connector 11" id="11"/>
+          <p:cNvCxnSpPr/>
           <p:nvPr/>
-        </p:nvSpPr>
+        </p:nvCxnSpPr>
         <p:spPr>
-          <a:xfrm flipV="true">
+          <a:xfrm flipH="true">
             <a:off x="5080000" y="2095500"/>
             <a:ext cx="4572000" cy="2286000"/>
           </a:xfrm>
@@ -3476,13 +3476,13 @@
             </a:solidFill>
           </a:ln>
         </p:spPr>
-      </p:sp>
-      <p:sp>
-        <p:nvSpPr>
-          <p:cNvPr name="AutoShape 12" id="12"/>
-          <p:cNvSpPr/>
+      </p:cxnSp>
+      <p:cxnSp>
+        <p:nvCxnSpPr>
+          <p:cNvPr name="Connector 12" id="12"/>
+          <p:cNvCxnSpPr/>
           <p:nvPr/>
-        </p:nvSpPr>
+        </p:nvCxnSpPr>
         <p:spPr>
           <a:xfrm>
             <a:off x="5080000" y="4381500"/>
@@ -3497,13 +3497,13 @@
             </a:solidFill>
           </a:ln>
         </p:spPr>
-      </p:sp>
-      <p:sp>
-        <p:nvSpPr>
-          <p:cNvPr name="AutoShape 13" id="13"/>
-          <p:cNvSpPr/>
+      </p:cxnSp>
+      <p:cxnSp>
+        <p:nvCxnSpPr>
+          <p:cNvPr name="Connector 13" id="13"/>
+          <p:cNvCxnSpPr/>
           <p:nvPr/>
-        </p:nvSpPr>
+        </p:nvCxnSpPr>
         <p:spPr>
           <a:xfrm>
             <a:off x="5080000" y="4381500"/>
@@ -3518,15 +3518,15 @@
             </a:solidFill>
           </a:ln>
         </p:spPr>
-      </p:sp>
-      <p:sp>
-        <p:nvSpPr>
-          <p:cNvPr name="AutoShape 14" id="14"/>
-          <p:cNvSpPr/>
+      </p:cxnSp>
+      <p:cxnSp>
+        <p:nvCxnSpPr>
+          <p:cNvPr name="Connector 14" id="14"/>
+          <p:cNvCxnSpPr/>
           <p:nvPr/>
-        </p:nvSpPr>
+        </p:nvCxnSpPr>
         <p:spPr>
-          <a:xfrm flipV="true">
+          <a:xfrm flipH="true">
             <a:off x="5080000" y="4381500"/>
             <a:ext cx="3048000" cy="2286000"/>
           </a:xfrm>
@@ -3539,15 +3539,15 @@
             </a:solidFill>
           </a:ln>
         </p:spPr>
-      </p:sp>
-      <p:sp>
-        <p:nvSpPr>
-          <p:cNvPr name="AutoShape 15" id="15"/>
-          <p:cNvSpPr/>
+      </p:cxnSp>
+      <p:cxnSp>
+        <p:nvCxnSpPr>
+          <p:cNvPr name="Connector 15" id="15"/>
+          <p:cNvCxnSpPr/>
           <p:nvPr/>
-        </p:nvSpPr>
+        </p:nvCxnSpPr>
         <p:spPr>
-          <a:xfrm flipV="true">
+          <a:xfrm flipH="true">
             <a:off x="8128000" y="4381500"/>
             <a:ext cx="3048000" cy="2286000"/>
           </a:xfrm>
@@ -3560,13 +3560,13 @@
             </a:solidFill>
           </a:ln>
         </p:spPr>
-      </p:sp>
-      <p:sp>
-        <p:nvSpPr>
-          <p:cNvPr name="AutoShape 16" id="16"/>
-          <p:cNvSpPr/>
+      </p:cxnSp>
+      <p:cxnSp>
+        <p:nvCxnSpPr>
+          <p:cNvPr name="Connector 16" id="16"/>
+          <p:cNvCxnSpPr/>
           <p:nvPr/>
-        </p:nvSpPr>
+        </p:nvCxnSpPr>
         <p:spPr>
           <a:xfrm>
             <a:off x="11176000" y="4381500"/>
@@ -3581,7 +3581,7 @@
             </a:solidFill>
           </a:ln>
         </p:spPr>
-      </p:sp>
+      </p:cxnSp>
     </p:spTree>
   </p:cSld>
   <p:clrMapOvr>

--- a/debug-output.pptx
+++ b/debug-output.pptx
@@ -3090,7 +3090,6 @@
                 <a:solidFill>
                   <a:srgbClr val="FFFFFF"/>
                 </a:solidFill>
-                <a:latin typeface="DejaVu Sans"/>
               </a:rPr>
               <a:t>load-balancer</a:t>
             </a:r>
@@ -3137,7 +3136,6 @@
                 <a:solidFill>
                   <a:srgbClr val="FFFFFF"/>
                 </a:solidFill>
-                <a:latin typeface="DejaVu Sans"/>
               </a:rPr>
               <a:t>web-app</a:t>
             </a:r>
@@ -3184,7 +3182,6 @@
                 <a:solidFill>
                   <a:srgbClr val="FFFFFF"/>
                 </a:solidFill>
-                <a:latin typeface="DejaVu Sans"/>
               </a:rPr>
               <a:t>api-gateway</a:t>
             </a:r>
@@ -3231,7 +3228,6 @@
                 <a:solidFill>
                   <a:srgbClr val="FFFFFF"/>
                 </a:solidFill>
-                <a:latin typeface="DejaVu Sans"/>
               </a:rPr>
               <a:t>auth-service</a:t>
             </a:r>
@@ -3278,7 +3274,6 @@
                 <a:solidFill>
                   <a:srgbClr val="FFFFFF"/>
                 </a:solidFill>
-                <a:latin typeface="DejaVu Sans"/>
               </a:rPr>
               <a:t>payment-service</a:t>
             </a:r>
@@ -3325,7 +3320,6 @@
                 <a:solidFill>
                   <a:srgbClr val="FFFFFF"/>
                 </a:solidFill>
-                <a:latin typeface="DejaVu Sans"/>
               </a:rPr>
               <a:t>postgres-db</a:t>
             </a:r>
@@ -3372,7 +3366,6 @@
                 <a:solidFill>
                   <a:srgbClr val="FFFFFF"/>
                 </a:solidFill>
-                <a:latin typeface="DejaVu Sans"/>
               </a:rPr>
               <a:t>mysql-db</a:t>
             </a:r>
@@ -3419,7 +3412,6 @@
                 <a:solidFill>
                   <a:srgbClr val="FFFFFF"/>
                 </a:solidFill>
-                <a:latin typeface="DejaVu Sans"/>
               </a:rPr>
               <a:t>redis</a:t>
             </a:r>
@@ -3435,12 +3427,12 @@
           </a:p>
         </p:txBody>
       </p:sp>
-      <p:cxnSp>
-        <p:nvCxnSpPr>
-          <p:cNvPr name="Connector 10" id="10"/>
-          <p:cNvCxnSpPr/>
+      <p:sp>
+        <p:nvSpPr>
+          <p:cNvPr name="AutoShape 10" id="10"/>
+          <p:cNvSpPr/>
           <p:nvPr/>
-        </p:nvCxnSpPr>
+        </p:nvSpPr>
         <p:spPr>
           <a:xfrm>
             <a:off x="6604000" y="2095500"/>
@@ -3455,15 +3447,15 @@
             </a:solidFill>
           </a:ln>
         </p:spPr>
-      </p:cxnSp>
-      <p:cxnSp>
-        <p:nvCxnSpPr>
-          <p:cNvPr name="Connector 11" id="11"/>
-          <p:cNvCxnSpPr/>
+      </p:sp>
+      <p:sp>
+        <p:nvSpPr>
+          <p:cNvPr name="AutoShape 11" id="11"/>
+          <p:cNvSpPr/>
           <p:nvPr/>
-        </p:nvCxnSpPr>
+        </p:nvSpPr>
         <p:spPr>
-          <a:xfrm flipH="true">
+          <a:xfrm flipV="true">
             <a:off x="5080000" y="2095500"/>
             <a:ext cx="4572000" cy="2286000"/>
           </a:xfrm>
@@ -3476,13 +3468,13 @@
             </a:solidFill>
           </a:ln>
         </p:spPr>
-      </p:cxnSp>
-      <p:cxnSp>
-        <p:nvCxnSpPr>
-          <p:cNvPr name="Connector 12" id="12"/>
-          <p:cNvCxnSpPr/>
+      </p:sp>
+      <p:sp>
+        <p:nvSpPr>
+          <p:cNvPr name="AutoShape 12" id="12"/>
+          <p:cNvSpPr/>
           <p:nvPr/>
-        </p:nvCxnSpPr>
+        </p:nvSpPr>
         <p:spPr>
           <a:xfrm>
             <a:off x="5080000" y="4381500"/>
@@ -3497,13 +3489,13 @@
             </a:solidFill>
           </a:ln>
         </p:spPr>
-      </p:cxnSp>
-      <p:cxnSp>
-        <p:nvCxnSpPr>
-          <p:cNvPr name="Connector 13" id="13"/>
-          <p:cNvCxnSpPr/>
+      </p:sp>
+      <p:sp>
+        <p:nvSpPr>
+          <p:cNvPr name="AutoShape 13" id="13"/>
+          <p:cNvSpPr/>
           <p:nvPr/>
-        </p:nvCxnSpPr>
+        </p:nvSpPr>
         <p:spPr>
           <a:xfrm>
             <a:off x="5080000" y="4381500"/>
@@ -3518,15 +3510,15 @@
             </a:solidFill>
           </a:ln>
         </p:spPr>
-      </p:cxnSp>
-      <p:cxnSp>
-        <p:nvCxnSpPr>
-          <p:cNvPr name="Connector 14" id="14"/>
-          <p:cNvCxnSpPr/>
+      </p:sp>
+      <p:sp>
+        <p:nvSpPr>
+          <p:cNvPr name="AutoShape 14" id="14"/>
+          <p:cNvSpPr/>
           <p:nvPr/>
-        </p:nvCxnSpPr>
+        </p:nvSpPr>
         <p:spPr>
-          <a:xfrm flipH="true">
+          <a:xfrm flipV="true">
             <a:off x="5080000" y="4381500"/>
             <a:ext cx="3048000" cy="2286000"/>
           </a:xfrm>
@@ -3539,15 +3531,15 @@
             </a:solidFill>
           </a:ln>
         </p:spPr>
-      </p:cxnSp>
-      <p:cxnSp>
-        <p:nvCxnSpPr>
-          <p:cNvPr name="Connector 15" id="15"/>
-          <p:cNvCxnSpPr/>
+      </p:sp>
+      <p:sp>
+        <p:nvSpPr>
+          <p:cNvPr name="AutoShape 15" id="15"/>
+          <p:cNvSpPr/>
           <p:nvPr/>
-        </p:nvCxnSpPr>
+        </p:nvSpPr>
         <p:spPr>
-          <a:xfrm flipH="true">
+          <a:xfrm flipV="true">
             <a:off x="8128000" y="4381500"/>
             <a:ext cx="3048000" cy="2286000"/>
           </a:xfrm>
@@ -3560,13 +3552,13 @@
             </a:solidFill>
           </a:ln>
         </p:spPr>
-      </p:cxnSp>
-      <p:cxnSp>
-        <p:nvCxnSpPr>
-          <p:cNvPr name="Connector 16" id="16"/>
-          <p:cNvCxnSpPr/>
+      </p:sp>
+      <p:sp>
+        <p:nvSpPr>
+          <p:cNvPr name="AutoShape 16" id="16"/>
+          <p:cNvSpPr/>
           <p:nvPr/>
-        </p:nvCxnSpPr>
+        </p:nvSpPr>
         <p:spPr>
           <a:xfrm>
             <a:off x="11176000" y="4381500"/>
@@ -3581,7 +3573,7 @@
             </a:solidFill>
           </a:ln>
         </p:spPr>
-      </p:cxnSp>
+      </p:sp>
     </p:spTree>
   </p:cSld>
   <p:clrMapOvr>

--- a/debug-output.pptx
+++ b/debug-output.pptx
@@ -3067,8 +3067,8 @@
         </p:nvSpPr>
         <p:spPr>
           <a:xfrm>
-            <a:off x="5461000" y="1524000"/>
-            <a:ext cx="2286000" cy="1143000"/>
+            <a:off x="4953000" y="1524000"/>
+            <a:ext cx="2794000" cy="1270000"/>
           </a:xfrm>
           <a:prstGeom prst="roundRect">
             <a:avLst/>
@@ -3083,8 +3083,12 @@
           </a:ln>
         </p:spPr>
         <p:txBody>
-          <a:p>
-            <a:pPr algn="ctr"/>
+          <a:bodyPr anchor="t" rtlCol="false"/>
+          <a:lstStyle/>
+          <a:p>
+            <a:pPr algn="ctr">
+              <a:defRPr/>
+            </a:pPr>
             <a:r>
               <a:rPr lang="en-US" sz="1400" b="true">
                 <a:solidFill>
@@ -3102,6 +3106,7 @@
               <a:t>
 (nginx)</a:t>
             </a:r>
+            <a:endParaRPr lang="en-US" sz="1100"/>
           </a:p>
         </p:txBody>
       </p:sp>
@@ -3114,7 +3119,7 @@
         <p:spPr>
           <a:xfrm>
             <a:off x="8509000" y="1524000"/>
-            <a:ext cx="2286000" cy="1143000"/>
+            <a:ext cx="2794000" cy="1270000"/>
           </a:xfrm>
           <a:prstGeom prst="roundRect">
             <a:avLst/>
@@ -3129,8 +3134,12 @@
           </a:ln>
         </p:spPr>
         <p:txBody>
-          <a:p>
-            <a:pPr algn="ctr"/>
+          <a:bodyPr anchor="t" rtlCol="false"/>
+          <a:lstStyle/>
+          <a:p>
+            <a:pPr algn="ctr">
+              <a:defRPr/>
+            </a:pPr>
             <a:r>
               <a:rPr lang="en-US" sz="1400" b="true">
                 <a:solidFill>
@@ -3148,6 +3157,7 @@
               <a:t>
 (react)</a:t>
             </a:r>
+            <a:endParaRPr lang="en-US" sz="1100"/>
           </a:p>
         </p:txBody>
       </p:sp>
@@ -3159,8 +3169,8 @@
         </p:nvSpPr>
         <p:spPr>
           <a:xfrm>
-            <a:off x="3937000" y="3810000"/>
-            <a:ext cx="2286000" cy="1143000"/>
+            <a:off x="3175000" y="4064000"/>
+            <a:ext cx="2794000" cy="1270000"/>
           </a:xfrm>
           <a:prstGeom prst="roundRect">
             <a:avLst/>
@@ -3175,8 +3185,12 @@
           </a:ln>
         </p:spPr>
         <p:txBody>
-          <a:p>
-            <a:pPr algn="ctr"/>
+          <a:bodyPr anchor="t" rtlCol="false"/>
+          <a:lstStyle/>
+          <a:p>
+            <a:pPr algn="ctr">
+              <a:defRPr/>
+            </a:pPr>
             <a:r>
               <a:rPr lang="en-US" sz="1400" b="true">
                 <a:solidFill>
@@ -3194,6 +3208,7 @@
               <a:t>
 (spring)</a:t>
             </a:r>
+            <a:endParaRPr lang="en-US" sz="1100"/>
           </a:p>
         </p:txBody>
       </p:sp>
@@ -3205,8 +3220,8 @@
         </p:nvSpPr>
         <p:spPr>
           <a:xfrm>
-            <a:off x="6985000" y="3810000"/>
-            <a:ext cx="2286000" cy="1143000"/>
+            <a:off x="6731000" y="4064000"/>
+            <a:ext cx="2794000" cy="1270000"/>
           </a:xfrm>
           <a:prstGeom prst="roundRect">
             <a:avLst/>
@@ -3221,8 +3236,12 @@
           </a:ln>
         </p:spPr>
         <p:txBody>
-          <a:p>
-            <a:pPr algn="ctr"/>
+          <a:bodyPr anchor="t" rtlCol="false"/>
+          <a:lstStyle/>
+          <a:p>
+            <a:pPr algn="ctr">
+              <a:defRPr/>
+            </a:pPr>
             <a:r>
               <a:rPr lang="en-US" sz="1400" b="true">
                 <a:solidFill>
@@ -3240,6 +3259,7 @@
               <a:t>
 (node)</a:t>
             </a:r>
+            <a:endParaRPr lang="en-US" sz="1100"/>
           </a:p>
         </p:txBody>
       </p:sp>
@@ -3251,8 +3271,8 @@
         </p:nvSpPr>
         <p:spPr>
           <a:xfrm>
-            <a:off x="10033000" y="3810000"/>
-            <a:ext cx="2286000" cy="1143000"/>
+            <a:off x="10287000" y="4064000"/>
+            <a:ext cx="2794000" cy="1270000"/>
           </a:xfrm>
           <a:prstGeom prst="roundRect">
             <a:avLst/>
@@ -3267,8 +3287,12 @@
           </a:ln>
         </p:spPr>
         <p:txBody>
-          <a:p>
-            <a:pPr algn="ctr"/>
+          <a:bodyPr anchor="t" rtlCol="false"/>
+          <a:lstStyle/>
+          <a:p>
+            <a:pPr algn="ctr">
+              <a:defRPr/>
+            </a:pPr>
             <a:r>
               <a:rPr lang="en-US" sz="1400" b="true">
                 <a:solidFill>
@@ -3286,6 +3310,7 @@
               <a:t>
 (go)</a:t>
             </a:r>
+            <a:endParaRPr lang="en-US" sz="1100"/>
           </a:p>
         </p:txBody>
       </p:sp>
@@ -3297,8 +3322,8 @@
         </p:nvSpPr>
         <p:spPr>
           <a:xfrm>
-            <a:off x="3937000" y="6096000"/>
-            <a:ext cx="2286000" cy="1143000"/>
+            <a:off x="3175000" y="6604000"/>
+            <a:ext cx="2794000" cy="1270000"/>
           </a:xfrm>
           <a:prstGeom prst="flowChartMagneticDisk">
             <a:avLst/>
@@ -3313,8 +3338,12 @@
           </a:ln>
         </p:spPr>
         <p:txBody>
-          <a:p>
-            <a:pPr algn="ctr"/>
+          <a:bodyPr anchor="t" rtlCol="false"/>
+          <a:lstStyle/>
+          <a:p>
+            <a:pPr algn="ctr">
+              <a:defRPr/>
+            </a:pPr>
             <a:r>
               <a:rPr lang="en-US" sz="1400" b="true">
                 <a:solidFill>
@@ -3332,6 +3361,7 @@
               <a:t>
 (postgres)</a:t>
             </a:r>
+            <a:endParaRPr lang="en-US" sz="1100"/>
           </a:p>
         </p:txBody>
       </p:sp>
@@ -3343,8 +3373,8 @@
         </p:nvSpPr>
         <p:spPr>
           <a:xfrm>
-            <a:off x="6985000" y="6096000"/>
-            <a:ext cx="2286000" cy="1143000"/>
+            <a:off x="6731000" y="6604000"/>
+            <a:ext cx="2794000" cy="1270000"/>
           </a:xfrm>
           <a:prstGeom prst="flowChartMagneticDisk">
             <a:avLst/>
@@ -3359,8 +3389,12 @@
           </a:ln>
         </p:spPr>
         <p:txBody>
-          <a:p>
-            <a:pPr algn="ctr"/>
+          <a:bodyPr anchor="t" rtlCol="false"/>
+          <a:lstStyle/>
+          <a:p>
+            <a:pPr algn="ctr">
+              <a:defRPr/>
+            </a:pPr>
             <a:r>
               <a:rPr lang="en-US" sz="1400" b="true">
                 <a:solidFill>
@@ -3378,6 +3412,7 @@
               <a:t>
 (mysql)</a:t>
             </a:r>
+            <a:endParaRPr lang="en-US" sz="1100"/>
           </a:p>
         </p:txBody>
       </p:sp>
@@ -3389,8 +3424,8 @@
         </p:nvSpPr>
         <p:spPr>
           <a:xfrm>
-            <a:off x="10033000" y="6096000"/>
-            <a:ext cx="2286000" cy="1143000"/>
+            <a:off x="10287000" y="6604000"/>
+            <a:ext cx="2794000" cy="1270000"/>
           </a:xfrm>
           <a:prstGeom prst="flowChartMagneticDisk">
             <a:avLst/>
@@ -3405,8 +3440,12 @@
           </a:ln>
         </p:spPr>
         <p:txBody>
-          <a:p>
-            <a:pPr algn="ctr"/>
+          <a:bodyPr anchor="t" rtlCol="false"/>
+          <a:lstStyle/>
+          <a:p>
+            <a:pPr algn="ctr">
+              <a:defRPr/>
+            </a:pPr>
             <a:r>
               <a:rPr lang="en-US" sz="1400" b="true">
                 <a:solidFill>
@@ -3424,6 +3463,7 @@
               <a:t>
 (redis)</a:t>
             </a:r>
+            <a:endParaRPr lang="en-US" sz="1100"/>
           </a:p>
         </p:txBody>
       </p:sp>
@@ -3434,14 +3474,17 @@
           <p:nvPr/>
         </p:nvSpPr>
         <p:spPr>
-          <a:xfrm>
-            <a:off x="6604000" y="2095500"/>
-            <a:ext cx="3048000" cy="12700"/>
+          <a:xfrm rot="0">
+            <a:off x="6350000" y="2146300"/>
+            <a:ext cx="3556000" cy="25400"/>
           </a:xfrm>
-          <a:prstGeom prst="line">
+          <a:prstGeom prst="rect">
             <a:avLst/>
           </a:prstGeom>
-          <a:ln w="19050">
+          <a:solidFill>
+            <a:srgbClr val="808080"/>
+          </a:solidFill>
+          <a:ln>
             <a:solidFill>
               <a:srgbClr val="808080"/>
             </a:solidFill>
@@ -3455,14 +3498,17 @@
           <p:nvPr/>
         </p:nvSpPr>
         <p:spPr>
-          <a:xfrm flipV="true">
-            <a:off x="5080000" y="2095500"/>
-            <a:ext cx="4572000" cy="2286000"/>
+          <a:xfrm rot="9996450">
+            <a:off x="4497447" y="3416300"/>
+            <a:ext cx="5483106" cy="25400"/>
           </a:xfrm>
-          <a:prstGeom prst="line">
+          <a:prstGeom prst="rect">
             <a:avLst/>
           </a:prstGeom>
-          <a:ln w="19050">
+          <a:solidFill>
+            <a:srgbClr val="808080"/>
+          </a:solidFill>
+          <a:ln>
             <a:solidFill>
               <a:srgbClr val="808080"/>
             </a:solidFill>
@@ -3476,14 +3522,17 @@
           <p:nvPr/>
         </p:nvSpPr>
         <p:spPr>
-          <a:xfrm>
-            <a:off x="5080000" y="4381500"/>
-            <a:ext cx="3048000" cy="12700"/>
+          <a:xfrm rot="0">
+            <a:off x="4572000" y="4686300"/>
+            <a:ext cx="3556000" cy="25400"/>
           </a:xfrm>
-          <a:prstGeom prst="line">
+          <a:prstGeom prst="rect">
             <a:avLst/>
           </a:prstGeom>
-          <a:ln w="19050">
+          <a:solidFill>
+            <a:srgbClr val="808080"/>
+          </a:solidFill>
+          <a:ln>
             <a:solidFill>
               <a:srgbClr val="808080"/>
             </a:solidFill>
@@ -3497,14 +3546,17 @@
           <p:nvPr/>
         </p:nvSpPr>
         <p:spPr>
-          <a:xfrm>
-            <a:off x="5080000" y="4381500"/>
-            <a:ext cx="6096000" cy="12700"/>
+          <a:xfrm rot="0">
+            <a:off x="4572000" y="4686300"/>
+            <a:ext cx="7112000" cy="25400"/>
           </a:xfrm>
-          <a:prstGeom prst="line">
+          <a:prstGeom prst="rect">
             <a:avLst/>
           </a:prstGeom>
-          <a:ln w="19050">
+          <a:solidFill>
+            <a:srgbClr val="808080"/>
+          </a:solidFill>
+          <a:ln>
             <a:solidFill>
               <a:srgbClr val="808080"/>
             </a:solidFill>
@@ -3518,14 +3570,17 @@
           <p:nvPr/>
         </p:nvSpPr>
         <p:spPr>
-          <a:xfrm flipV="true">
-            <a:off x="5080000" y="4381500"/>
-            <a:ext cx="3048000" cy="2286000"/>
+          <a:xfrm rot="9620770">
+            <a:off x="4462009" y="5956300"/>
+            <a:ext cx="3775981" cy="25400"/>
           </a:xfrm>
-          <a:prstGeom prst="line">
+          <a:prstGeom prst="rect">
             <a:avLst/>
           </a:prstGeom>
-          <a:ln w="19050">
+          <a:solidFill>
+            <a:srgbClr val="808080"/>
+          </a:solidFill>
+          <a:ln>
             <a:solidFill>
               <a:srgbClr val="808080"/>
             </a:solidFill>
@@ -3539,14 +3594,17 @@
           <p:nvPr/>
         </p:nvSpPr>
         <p:spPr>
-          <a:xfrm flipV="true">
-            <a:off x="8128000" y="4381500"/>
-            <a:ext cx="3048000" cy="2286000"/>
+          <a:xfrm rot="9620770">
+            <a:off x="8018009" y="5956300"/>
+            <a:ext cx="3775981" cy="25400"/>
           </a:xfrm>
-          <a:prstGeom prst="line">
+          <a:prstGeom prst="rect">
             <a:avLst/>
           </a:prstGeom>
-          <a:ln w="19050">
+          <a:solidFill>
+            <a:srgbClr val="808080"/>
+          </a:solidFill>
+          <a:ln>
             <a:solidFill>
               <a:srgbClr val="808080"/>
             </a:solidFill>
@@ -3560,14 +3618,17 @@
           <p:nvPr/>
         </p:nvSpPr>
         <p:spPr>
-          <a:xfrm>
-            <a:off x="11176000" y="4381500"/>
-            <a:ext cx="12700" cy="2286000"/>
+          <a:xfrm rot="5400000">
+            <a:off x="11049000" y="5956300"/>
+            <a:ext cx="1270000" cy="25400"/>
           </a:xfrm>
-          <a:prstGeom prst="line">
+          <a:prstGeom prst="rect">
             <a:avLst/>
           </a:prstGeom>
-          <a:ln w="19050">
+          <a:solidFill>
+            <a:srgbClr val="808080"/>
+          </a:solidFill>
+          <a:ln>
             <a:solidFill>
               <a:srgbClr val="808080"/>
             </a:solidFill>
